--- a/docs/diagrams/UpdateTableUpdateTableStateListDiagram.pptx
+++ b/docs/diagrams/UpdateTableUpdateTableStateListDiagram.pptx
@@ -3356,7 +3356,7 @@
         <p:spPr>
           <a:xfrm>
             <a:off x="364797" y="1375953"/>
-            <a:ext cx="11364686" cy="618187"/>
+            <a:ext cx="11160896" cy="618187"/>
           </a:xfrm>
           <a:prstGeom prst="rect">
             <a:avLst/>
@@ -3402,7 +3402,7 @@
         <p:spPr>
           <a:xfrm>
             <a:off x="387404" y="3838574"/>
-            <a:ext cx="11364686" cy="593918"/>
+            <a:ext cx="11138289" cy="593918"/>
           </a:xfrm>
           <a:prstGeom prst="rect">
             <a:avLst/>
@@ -3495,7 +3495,7 @@
           <p:nvPr>
             <p:extLst>
               <p:ext uri="{D42A27DB-BD31-4B8C-83A1-F6EECF244321}">
-                <p14:modId xmlns:p14="http://schemas.microsoft.com/office/powerpoint/2010/main" val="3284595444"/>
+                <p14:modId xmlns:p14="http://schemas.microsoft.com/office/powerpoint/2010/main" val="305358318"/>
               </p:ext>
             </p:extLst>
           </p:nvPr>
@@ -3559,7 +3559,7 @@
           <p:nvPr>
             <p:extLst>
               <p:ext uri="{D42A27DB-BD31-4B8C-83A1-F6EECF244321}">
-                <p14:modId xmlns:p14="http://schemas.microsoft.com/office/powerpoint/2010/main" val="2145525814"/>
+                <p14:modId xmlns:p14="http://schemas.microsoft.com/office/powerpoint/2010/main" val="2709784012"/>
               </p:ext>
             </p:extLst>
           </p:nvPr>
@@ -3739,7 +3739,7 @@
           <p:nvPr>
             <p:extLst>
               <p:ext uri="{D42A27DB-BD31-4B8C-83A1-F6EECF244321}">
-                <p14:modId xmlns:p14="http://schemas.microsoft.com/office/powerpoint/2010/main" val="3397391453"/>
+                <p14:modId xmlns:p14="http://schemas.microsoft.com/office/powerpoint/2010/main" val="218733547"/>
               </p:ext>
             </p:extLst>
           </p:nvPr>
